--- a/Presentations/Entity Framework Core 5.pptx
+++ b/Presentations/Entity Framework Core 5.pptx
@@ -6,10 +6,18 @@
   </p:sldMasterIdLst>
   <p:sldIdLst>
     <p:sldId id="257" r:id="rId5"/>
-    <p:sldId id="259" r:id="rId6"/>
-    <p:sldId id="261" r:id="rId7"/>
-    <p:sldId id="262" r:id="rId8"/>
-    <p:sldId id="260" r:id="rId9"/>
+    <p:sldId id="264" r:id="rId6"/>
+    <p:sldId id="259" r:id="rId7"/>
+    <p:sldId id="261" r:id="rId8"/>
+    <p:sldId id="262" r:id="rId9"/>
+    <p:sldId id="260" r:id="rId10"/>
+    <p:sldId id="265" r:id="rId11"/>
+    <p:sldId id="266" r:id="rId12"/>
+    <p:sldId id="267" r:id="rId13"/>
+    <p:sldId id="268" r:id="rId14"/>
+    <p:sldId id="269" r:id="rId15"/>
+    <p:sldId id="270" r:id="rId16"/>
+    <p:sldId id="263" r:id="rId17"/>
   </p:sldIdLst>
   <p:sldSz cx="12192000" cy="6858000"/>
   <p:notesSz cx="6858000" cy="9144000"/>
@@ -354,7 +362,7 @@
           <a:p>
             <a:fld id="{ED291B17-9318-49DB-B28B-6E5994AE9581}" type="datetime1">
               <a:rPr lang="en-US" smtClean="0"/>
-              <a:t>12/27/2020</a:t>
+              <a:t>12/28/2020</a:t>
             </a:fld>
             <a:endParaRPr lang="en-US" dirty="0"/>
           </a:p>
@@ -557,7 +565,7 @@
           <a:p>
             <a:fld id="{2CED4963-E985-44C4-B8C4-FDD613B7C2F8}" type="datetime1">
               <a:rPr lang="en-US" smtClean="0"/>
-              <a:t>12/27/2020</a:t>
+              <a:t>12/28/2020</a:t>
             </a:fld>
             <a:endParaRPr lang="en-US" dirty="0"/>
           </a:p>
@@ -919,7 +927,7 @@
           <a:p>
             <a:fld id="{ED291B17-9318-49DB-B28B-6E5994AE9581}" type="datetime1">
               <a:rPr lang="en-US" smtClean="0"/>
-              <a:t>12/27/2020</a:t>
+              <a:t>12/28/2020</a:t>
             </a:fld>
             <a:endParaRPr lang="en-US" dirty="0"/>
           </a:p>
@@ -1117,7 +1125,7 @@
           <a:p>
             <a:fld id="{78DD82B9-B8EE-4375-B6FF-88FA6ABB15D9}" type="datetime1">
               <a:rPr lang="en-US" smtClean="0"/>
-              <a:t>12/27/2020</a:t>
+              <a:t>12/28/2020</a:t>
             </a:fld>
             <a:endParaRPr lang="en-US" dirty="0"/>
           </a:p>
@@ -1429,7 +1437,7 @@
           <a:p>
             <a:fld id="{B2497495-0637-405E-AE64-5CC7506D51F5}" type="datetime1">
               <a:rPr lang="en-US" smtClean="0"/>
-              <a:t>12/27/2020</a:t>
+              <a:t>12/28/2020</a:t>
             </a:fld>
             <a:endParaRPr lang="en-US" dirty="0"/>
           </a:p>
@@ -1682,7 +1690,7 @@
           <a:p>
             <a:fld id="{7BFFD690-9426-415D-8B65-26881E07B2D4}" type="datetime1">
               <a:rPr lang="en-US" smtClean="0"/>
-              <a:t>12/27/2020</a:t>
+              <a:t>12/28/2020</a:t>
             </a:fld>
             <a:endParaRPr lang="en-US" dirty="0"/>
           </a:p>
@@ -2104,7 +2112,7 @@
           <a:p>
             <a:fld id="{04C4989A-474C-40DE-95B9-011C28B71673}" type="datetime1">
               <a:rPr lang="en-US" smtClean="0"/>
-              <a:t>12/27/2020</a:t>
+              <a:t>12/28/2020</a:t>
             </a:fld>
             <a:endParaRPr lang="en-US" dirty="0"/>
           </a:p>
@@ -2227,7 +2235,7 @@
           <a:p>
             <a:fld id="{5DB4ED54-5B5E-4A04-93D3-5772E3CE3818}" type="datetime1">
               <a:rPr lang="en-US" smtClean="0"/>
-              <a:t>12/27/2020</a:t>
+              <a:t>12/28/2020</a:t>
             </a:fld>
             <a:endParaRPr lang="en-US" dirty="0"/>
           </a:p>
@@ -2322,7 +2330,7 @@
           <a:p>
             <a:fld id="{4EDE50D6-574B-40AF-946F-D52A04ADE379}" type="datetime1">
               <a:rPr lang="en-US" smtClean="0"/>
-              <a:t>12/27/2020</a:t>
+              <a:t>12/28/2020</a:t>
             </a:fld>
             <a:endParaRPr lang="en-US" dirty="0"/>
           </a:p>
@@ -2699,7 +2707,7 @@
           <a:p>
             <a:fld id="{D82884F1-FFEA-405F-9602-3DCA865EDA4E}" type="datetime1">
               <a:rPr lang="en-US" smtClean="0"/>
-              <a:t>12/27/2020</a:t>
+              <a:t>12/28/2020</a:t>
             </a:fld>
             <a:endParaRPr lang="en-US" dirty="0"/>
           </a:p>
@@ -2992,7 +3000,7 @@
           <a:p>
             <a:fld id="{7E18DB4A-8810-4A10-AD5C-D5E2C667F5B3}" type="datetime1">
               <a:rPr lang="en-US" smtClean="0"/>
-              <a:t>12/27/2020</a:t>
+              <a:t>12/28/2020</a:t>
             </a:fld>
             <a:endParaRPr lang="en-US" dirty="0"/>
           </a:p>
@@ -3207,7 +3215,7 @@
           <a:p>
             <a:fld id="{ED291B17-9318-49DB-B28B-6E5994AE9581}" type="datetime1">
               <a:rPr lang="en-US" smtClean="0"/>
-              <a:t>12/27/2020</a:t>
+              <a:t>12/28/2020</a:t>
             </a:fld>
             <a:endParaRPr lang="en-US" dirty="0"/>
           </a:p>
@@ -4184,6 +4192,598 @@
 </p:sld>
 </file>
 
+<file path=ppt/slides/slide10.xml><?xml version="1.0" encoding="utf-8"?>
+<p:sld xmlns:a="http://schemas.openxmlformats.org/drawingml/2006/main" xmlns:r="http://schemas.openxmlformats.org/officeDocument/2006/relationships" xmlns:p="http://schemas.openxmlformats.org/presentationml/2006/main">
+  <p:cSld>
+    <p:spTree>
+      <p:nvGrpSpPr>
+        <p:cNvPr id="1" name=""/>
+        <p:cNvGrpSpPr/>
+        <p:nvPr/>
+      </p:nvGrpSpPr>
+      <p:grpSpPr>
+        <a:xfrm>
+          <a:off x="0" y="0"/>
+          <a:ext cx="0" cy="0"/>
+          <a:chOff x="0" y="0"/>
+          <a:chExt cx="0" cy="0"/>
+        </a:xfrm>
+      </p:grpSpPr>
+      <p:sp>
+        <p:nvSpPr>
+          <p:cNvPr id="2" name="Title 1">
+            <a:extLst>
+              <a:ext uri="{FF2B5EF4-FFF2-40B4-BE49-F238E27FC236}">
+                <a16:creationId xmlns:a16="http://schemas.microsoft.com/office/drawing/2014/main" id="{C7B57139-59EF-4074-87A1-26F86F44B27B}"/>
+              </a:ext>
+            </a:extLst>
+          </p:cNvPr>
+          <p:cNvSpPr>
+            <a:spLocks noGrp="1"/>
+          </p:cNvSpPr>
+          <p:nvPr>
+            <p:ph type="title"/>
+          </p:nvPr>
+        </p:nvSpPr>
+        <p:spPr>
+          <a:xfrm>
+            <a:off x="581192" y="702156"/>
+            <a:ext cx="11029616" cy="520154"/>
+          </a:xfrm>
+        </p:spPr>
+        <p:txBody>
+          <a:bodyPr/>
+          <a:lstStyle/>
+          <a:p>
+            <a:r>
+              <a:rPr lang="en-US" dirty="0"/>
+              <a:t>Script-migration</a:t>
+            </a:r>
+          </a:p>
+        </p:txBody>
+      </p:sp>
+      <p:pic>
+        <p:nvPicPr>
+          <p:cNvPr id="4" name="Picture 3">
+            <a:extLst>
+              <a:ext uri="{FF2B5EF4-FFF2-40B4-BE49-F238E27FC236}">
+                <a16:creationId xmlns:a16="http://schemas.microsoft.com/office/drawing/2014/main" id="{0FF0D2D6-C9D3-402D-862A-98E259B3D9A2}"/>
+              </a:ext>
+            </a:extLst>
+          </p:cNvPr>
+          <p:cNvPicPr>
+            <a:picLocks noChangeAspect="1"/>
+          </p:cNvPicPr>
+          <p:nvPr/>
+        </p:nvPicPr>
+        <p:blipFill>
+          <a:blip r:embed="rId2"/>
+          <a:stretch>
+            <a:fillRect/>
+          </a:stretch>
+        </p:blipFill>
+        <p:spPr>
+          <a:xfrm>
+            <a:off x="103278" y="1474237"/>
+            <a:ext cx="9018309" cy="5383763"/>
+          </a:xfrm>
+          <a:prstGeom prst="rect">
+            <a:avLst/>
+          </a:prstGeom>
+        </p:spPr>
+      </p:pic>
+    </p:spTree>
+    <p:extLst>
+      <p:ext uri="{BB962C8B-B14F-4D97-AF65-F5344CB8AC3E}">
+        <p14:creationId xmlns:p14="http://schemas.microsoft.com/office/powerpoint/2010/main" val="2804658081"/>
+      </p:ext>
+    </p:extLst>
+  </p:cSld>
+  <p:clrMapOvr>
+    <a:masterClrMapping/>
+  </p:clrMapOvr>
+</p:sld>
+</file>
+
+<file path=ppt/slides/slide11.xml><?xml version="1.0" encoding="utf-8"?>
+<p:sld xmlns:a="http://schemas.openxmlformats.org/drawingml/2006/main" xmlns:r="http://schemas.openxmlformats.org/officeDocument/2006/relationships" xmlns:p="http://schemas.openxmlformats.org/presentationml/2006/main">
+  <p:cSld>
+    <p:spTree>
+      <p:nvGrpSpPr>
+        <p:cNvPr id="1" name=""/>
+        <p:cNvGrpSpPr/>
+        <p:nvPr/>
+      </p:nvGrpSpPr>
+      <p:grpSpPr>
+        <a:xfrm>
+          <a:off x="0" y="0"/>
+          <a:ext cx="0" cy="0"/>
+          <a:chOff x="0" y="0"/>
+          <a:chExt cx="0" cy="0"/>
+        </a:xfrm>
+      </p:grpSpPr>
+      <p:sp>
+        <p:nvSpPr>
+          <p:cNvPr id="2" name="Title 1">
+            <a:extLst>
+              <a:ext uri="{FF2B5EF4-FFF2-40B4-BE49-F238E27FC236}">
+                <a16:creationId xmlns:a16="http://schemas.microsoft.com/office/drawing/2014/main" id="{8B59CFD0-E1BF-4437-8C60-07C23FD09B5F}"/>
+              </a:ext>
+            </a:extLst>
+          </p:cNvPr>
+          <p:cNvSpPr>
+            <a:spLocks noGrp="1"/>
+          </p:cNvSpPr>
+          <p:nvPr>
+            <p:ph type="title"/>
+          </p:nvPr>
+        </p:nvSpPr>
+        <p:spPr>
+          <a:xfrm>
+            <a:off x="581192" y="702156"/>
+            <a:ext cx="11029616" cy="480692"/>
+          </a:xfrm>
+        </p:spPr>
+        <p:txBody>
+          <a:bodyPr>
+            <a:normAutofit fontScale="90000"/>
+          </a:bodyPr>
+          <a:lstStyle/>
+          <a:p>
+            <a:r>
+              <a:rPr lang="en-US" dirty="0"/>
+              <a:t>Update database</a:t>
+            </a:r>
+          </a:p>
+        </p:txBody>
+      </p:sp>
+      <p:pic>
+        <p:nvPicPr>
+          <p:cNvPr id="4" name="Picture 3">
+            <a:extLst>
+              <a:ext uri="{FF2B5EF4-FFF2-40B4-BE49-F238E27FC236}">
+                <a16:creationId xmlns:a16="http://schemas.microsoft.com/office/drawing/2014/main" id="{481B2C47-B32C-4572-B638-A58EC7D82E23}"/>
+              </a:ext>
+            </a:extLst>
+          </p:cNvPr>
+          <p:cNvPicPr>
+            <a:picLocks noChangeAspect="1"/>
+          </p:cNvPicPr>
+          <p:nvPr/>
+        </p:nvPicPr>
+        <p:blipFill>
+          <a:blip r:embed="rId2"/>
+          <a:stretch>
+            <a:fillRect/>
+          </a:stretch>
+        </p:blipFill>
+        <p:spPr>
+          <a:xfrm>
+            <a:off x="581192" y="1362468"/>
+            <a:ext cx="4648200" cy="962025"/>
+          </a:xfrm>
+          <a:prstGeom prst="rect">
+            <a:avLst/>
+          </a:prstGeom>
+        </p:spPr>
+      </p:pic>
+      <p:pic>
+        <p:nvPicPr>
+          <p:cNvPr id="5" name="Picture 4">
+            <a:extLst>
+              <a:ext uri="{FF2B5EF4-FFF2-40B4-BE49-F238E27FC236}">
+                <a16:creationId xmlns:a16="http://schemas.microsoft.com/office/drawing/2014/main" id="{6FC43B36-5ACE-405C-8104-449A22F0923F}"/>
+              </a:ext>
+            </a:extLst>
+          </p:cNvPr>
+          <p:cNvPicPr>
+            <a:picLocks noChangeAspect="1"/>
+          </p:cNvPicPr>
+          <p:nvPr/>
+        </p:nvPicPr>
+        <p:blipFill>
+          <a:blip r:embed="rId3"/>
+          <a:stretch>
+            <a:fillRect/>
+          </a:stretch>
+        </p:blipFill>
+        <p:spPr>
+          <a:xfrm>
+            <a:off x="6772300" y="942502"/>
+            <a:ext cx="3514725" cy="5505802"/>
+          </a:xfrm>
+          <a:prstGeom prst="rect">
+            <a:avLst/>
+          </a:prstGeom>
+        </p:spPr>
+      </p:pic>
+      <p:pic>
+        <p:nvPicPr>
+          <p:cNvPr id="6" name="Picture 5">
+            <a:extLst>
+              <a:ext uri="{FF2B5EF4-FFF2-40B4-BE49-F238E27FC236}">
+                <a16:creationId xmlns:a16="http://schemas.microsoft.com/office/drawing/2014/main" id="{961131F8-1793-4254-9706-3D0E90620C21}"/>
+              </a:ext>
+            </a:extLst>
+          </p:cNvPr>
+          <p:cNvPicPr>
+            <a:picLocks noChangeAspect="1"/>
+          </p:cNvPicPr>
+          <p:nvPr/>
+        </p:nvPicPr>
+        <p:blipFill>
+          <a:blip r:embed="rId4"/>
+          <a:stretch>
+            <a:fillRect/>
+          </a:stretch>
+        </p:blipFill>
+        <p:spPr>
+          <a:xfrm>
+            <a:off x="370309" y="3219058"/>
+            <a:ext cx="6076950" cy="2628900"/>
+          </a:xfrm>
+          <a:prstGeom prst="rect">
+            <a:avLst/>
+          </a:prstGeom>
+        </p:spPr>
+      </p:pic>
+    </p:spTree>
+    <p:extLst>
+      <p:ext uri="{BB962C8B-B14F-4D97-AF65-F5344CB8AC3E}">
+        <p14:creationId xmlns:p14="http://schemas.microsoft.com/office/powerpoint/2010/main" val="4231807290"/>
+      </p:ext>
+    </p:extLst>
+  </p:cSld>
+  <p:clrMapOvr>
+    <a:masterClrMapping/>
+  </p:clrMapOvr>
+</p:sld>
+</file>
+
+<file path=ppt/slides/slide12.xml><?xml version="1.0" encoding="utf-8"?>
+<p:sld xmlns:a="http://schemas.openxmlformats.org/drawingml/2006/main" xmlns:r="http://schemas.openxmlformats.org/officeDocument/2006/relationships" xmlns:p="http://schemas.openxmlformats.org/presentationml/2006/main">
+  <p:cSld>
+    <p:spTree>
+      <p:nvGrpSpPr>
+        <p:cNvPr id="1" name=""/>
+        <p:cNvGrpSpPr/>
+        <p:nvPr/>
+      </p:nvGrpSpPr>
+      <p:grpSpPr>
+        <a:xfrm>
+          <a:off x="0" y="0"/>
+          <a:ext cx="0" cy="0"/>
+          <a:chOff x="0" y="0"/>
+          <a:chExt cx="0" cy="0"/>
+        </a:xfrm>
+      </p:grpSpPr>
+      <p:sp>
+        <p:nvSpPr>
+          <p:cNvPr id="2" name="Title 1">
+            <a:extLst>
+              <a:ext uri="{FF2B5EF4-FFF2-40B4-BE49-F238E27FC236}">
+                <a16:creationId xmlns:a16="http://schemas.microsoft.com/office/drawing/2014/main" id="{D0E7D217-7356-423D-B2B6-A8FBDF065F11}"/>
+              </a:ext>
+            </a:extLst>
+          </p:cNvPr>
+          <p:cNvSpPr>
+            <a:spLocks noGrp="1"/>
+          </p:cNvSpPr>
+          <p:nvPr>
+            <p:ph type="title"/>
+          </p:nvPr>
+        </p:nvSpPr>
+        <p:spPr>
+          <a:xfrm>
+            <a:off x="581192" y="702156"/>
+            <a:ext cx="11029616" cy="510824"/>
+          </a:xfrm>
+        </p:spPr>
+        <p:txBody>
+          <a:bodyPr>
+            <a:normAutofit fontScale="90000"/>
+          </a:bodyPr>
+          <a:lstStyle/>
+          <a:p>
+            <a:r>
+              <a:rPr lang="en-US" dirty="0"/>
+              <a:t>Reverse engineer an existing database</a:t>
+            </a:r>
+          </a:p>
+        </p:txBody>
+      </p:sp>
+      <p:sp>
+        <p:nvSpPr>
+          <p:cNvPr id="4" name="TextBox 3">
+            <a:extLst>
+              <a:ext uri="{FF2B5EF4-FFF2-40B4-BE49-F238E27FC236}">
+                <a16:creationId xmlns:a16="http://schemas.microsoft.com/office/drawing/2014/main" id="{02BF46E3-33C1-483F-8095-5FD38BBB1783}"/>
+              </a:ext>
+            </a:extLst>
+          </p:cNvPr>
+          <p:cNvSpPr txBox="1"/>
+          <p:nvPr/>
+        </p:nvSpPr>
+        <p:spPr>
+          <a:xfrm>
+            <a:off x="581192" y="1407390"/>
+            <a:ext cx="8258607" cy="369332"/>
+          </a:xfrm>
+          <a:prstGeom prst="rect">
+            <a:avLst/>
+          </a:prstGeom>
+          <a:noFill/>
+        </p:spPr>
+        <p:txBody>
+          <a:bodyPr wrap="none" rtlCol="0">
+            <a:spAutoFit/>
+          </a:bodyPr>
+          <a:lstStyle/>
+          <a:p>
+            <a:r>
+              <a:rPr lang="en-US" dirty="0"/>
+              <a:t>EF Core 5 scaffolding now defaults to creating singular names for the entity classes.</a:t>
+            </a:r>
+          </a:p>
+        </p:txBody>
+      </p:sp>
+      <p:sp>
+        <p:nvSpPr>
+          <p:cNvPr id="5" name="TextBox 4">
+            <a:extLst>
+              <a:ext uri="{FF2B5EF4-FFF2-40B4-BE49-F238E27FC236}">
+                <a16:creationId xmlns:a16="http://schemas.microsoft.com/office/drawing/2014/main" id="{44AD8586-3C68-4065-A62E-F8DDEB8EAEBF}"/>
+              </a:ext>
+            </a:extLst>
+          </p:cNvPr>
+          <p:cNvSpPr txBox="1"/>
+          <p:nvPr/>
+        </p:nvSpPr>
+        <p:spPr>
+          <a:xfrm>
+            <a:off x="581192" y="1866122"/>
+            <a:ext cx="1262782" cy="369332"/>
+          </a:xfrm>
+          <a:prstGeom prst="rect">
+            <a:avLst/>
+          </a:prstGeom>
+          <a:noFill/>
+        </p:spPr>
+        <p:txBody>
+          <a:bodyPr wrap="none" rtlCol="0">
+            <a:spAutoFit/>
+          </a:bodyPr>
+          <a:lstStyle/>
+          <a:p>
+            <a:r>
+              <a:rPr lang="en-US" dirty="0"/>
+              <a:t>SQL Server</a:t>
+            </a:r>
+          </a:p>
+        </p:txBody>
+      </p:sp>
+      <p:pic>
+        <p:nvPicPr>
+          <p:cNvPr id="6" name="Picture 5">
+            <a:extLst>
+              <a:ext uri="{FF2B5EF4-FFF2-40B4-BE49-F238E27FC236}">
+                <a16:creationId xmlns:a16="http://schemas.microsoft.com/office/drawing/2014/main" id="{ED7D749B-1855-47CD-8D83-2B2AA8E08397}"/>
+              </a:ext>
+            </a:extLst>
+          </p:cNvPr>
+          <p:cNvPicPr>
+            <a:picLocks noChangeAspect="1"/>
+          </p:cNvPicPr>
+          <p:nvPr/>
+        </p:nvPicPr>
+        <p:blipFill>
+          <a:blip r:embed="rId2"/>
+          <a:stretch>
+            <a:fillRect/>
+          </a:stretch>
+        </p:blipFill>
+        <p:spPr>
+          <a:xfrm>
+            <a:off x="93306" y="2396021"/>
+            <a:ext cx="12192000" cy="1200249"/>
+          </a:xfrm>
+          <a:prstGeom prst="rect">
+            <a:avLst/>
+          </a:prstGeom>
+        </p:spPr>
+      </p:pic>
+      <p:pic>
+        <p:nvPicPr>
+          <p:cNvPr id="7" name="Picture 6">
+            <a:extLst>
+              <a:ext uri="{FF2B5EF4-FFF2-40B4-BE49-F238E27FC236}">
+                <a16:creationId xmlns:a16="http://schemas.microsoft.com/office/drawing/2014/main" id="{4526F718-4BD1-4B7F-A2BD-4AEDE69CCD1D}"/>
+              </a:ext>
+            </a:extLst>
+          </p:cNvPr>
+          <p:cNvPicPr>
+            <a:picLocks noChangeAspect="1"/>
+          </p:cNvPicPr>
+          <p:nvPr/>
+        </p:nvPicPr>
+        <p:blipFill>
+          <a:blip r:embed="rId3"/>
+          <a:stretch>
+            <a:fillRect/>
+          </a:stretch>
+        </p:blipFill>
+        <p:spPr>
+          <a:xfrm>
+            <a:off x="0" y="4354992"/>
+            <a:ext cx="12192000" cy="2010888"/>
+          </a:xfrm>
+          <a:prstGeom prst="rect">
+            <a:avLst/>
+          </a:prstGeom>
+        </p:spPr>
+      </p:pic>
+      <p:sp>
+        <p:nvSpPr>
+          <p:cNvPr id="8" name="TextBox 7">
+            <a:extLst>
+              <a:ext uri="{FF2B5EF4-FFF2-40B4-BE49-F238E27FC236}">
+                <a16:creationId xmlns:a16="http://schemas.microsoft.com/office/drawing/2014/main" id="{F4604D07-44C4-4670-BD0E-5B24030FCAA6}"/>
+              </a:ext>
+            </a:extLst>
+          </p:cNvPr>
+          <p:cNvSpPr txBox="1"/>
+          <p:nvPr/>
+        </p:nvSpPr>
+        <p:spPr>
+          <a:xfrm>
+            <a:off x="546981" y="3735355"/>
+            <a:ext cx="1309910" cy="369332"/>
+          </a:xfrm>
+          <a:prstGeom prst="rect">
+            <a:avLst/>
+          </a:prstGeom>
+          <a:noFill/>
+        </p:spPr>
+        <p:txBody>
+          <a:bodyPr wrap="none" rtlCol="0">
+            <a:spAutoFit/>
+          </a:bodyPr>
+          <a:lstStyle/>
+          <a:p>
+            <a:r>
+              <a:rPr lang="en-US"/>
+              <a:t>PostgreSQL</a:t>
+            </a:r>
+            <a:endParaRPr lang="en-US" dirty="0"/>
+          </a:p>
+        </p:txBody>
+      </p:sp>
+    </p:spTree>
+    <p:extLst>
+      <p:ext uri="{BB962C8B-B14F-4D97-AF65-F5344CB8AC3E}">
+        <p14:creationId xmlns:p14="http://schemas.microsoft.com/office/powerpoint/2010/main" val="1500391750"/>
+      </p:ext>
+    </p:extLst>
+  </p:cSld>
+  <p:clrMapOvr>
+    <a:masterClrMapping/>
+  </p:clrMapOvr>
+</p:sld>
+</file>
+
+<file path=ppt/slides/slide13.xml><?xml version="1.0" encoding="utf-8"?>
+<p:sld xmlns:a="http://schemas.openxmlformats.org/drawingml/2006/main" xmlns:r="http://schemas.openxmlformats.org/officeDocument/2006/relationships" xmlns:p="http://schemas.openxmlformats.org/presentationml/2006/main">
+  <p:cSld>
+    <p:spTree>
+      <p:nvGrpSpPr>
+        <p:cNvPr id="1" name=""/>
+        <p:cNvGrpSpPr/>
+        <p:nvPr/>
+      </p:nvGrpSpPr>
+      <p:grpSpPr>
+        <a:xfrm>
+          <a:off x="0" y="0"/>
+          <a:ext cx="0" cy="0"/>
+          <a:chOff x="0" y="0"/>
+          <a:chExt cx="0" cy="0"/>
+        </a:xfrm>
+      </p:grpSpPr>
+      <p:sp>
+        <p:nvSpPr>
+          <p:cNvPr id="2" name="Title 1">
+            <a:extLst>
+              <a:ext uri="{FF2B5EF4-FFF2-40B4-BE49-F238E27FC236}">
+                <a16:creationId xmlns:a16="http://schemas.microsoft.com/office/drawing/2014/main" id="{09AB1B22-8AE4-475D-85AD-A2476D38084E}"/>
+              </a:ext>
+            </a:extLst>
+          </p:cNvPr>
+          <p:cNvSpPr>
+            <a:spLocks noGrp="1"/>
+          </p:cNvSpPr>
+          <p:nvPr>
+            <p:ph type="title"/>
+          </p:nvPr>
+        </p:nvSpPr>
+        <p:spPr/>
+        <p:txBody>
+          <a:bodyPr/>
+          <a:lstStyle/>
+          <a:p>
+            <a:r>
+              <a:rPr lang="en-US" dirty="0"/>
+              <a:t>Links</a:t>
+            </a:r>
+          </a:p>
+        </p:txBody>
+      </p:sp>
+      <p:sp>
+        <p:nvSpPr>
+          <p:cNvPr id="4" name="TextBox 3">
+            <a:extLst>
+              <a:ext uri="{FF2B5EF4-FFF2-40B4-BE49-F238E27FC236}">
+                <a16:creationId xmlns:a16="http://schemas.microsoft.com/office/drawing/2014/main" id="{3CC92CAC-9DBA-42B2-A60A-C5D587FB0439}"/>
+              </a:ext>
+            </a:extLst>
+          </p:cNvPr>
+          <p:cNvSpPr txBox="1"/>
+          <p:nvPr/>
+        </p:nvSpPr>
+        <p:spPr>
+          <a:xfrm>
+            <a:off x="503340" y="2021747"/>
+            <a:ext cx="8299708" cy="1200329"/>
+          </a:xfrm>
+          <a:prstGeom prst="rect">
+            <a:avLst/>
+          </a:prstGeom>
+          <a:noFill/>
+        </p:spPr>
+        <p:txBody>
+          <a:bodyPr wrap="none" rtlCol="0">
+            <a:spAutoFit/>
+          </a:bodyPr>
+          <a:lstStyle/>
+          <a:p>
+            <a:r>
+              <a:rPr lang="en-US" dirty="0">
+                <a:hlinkClick r:id="rId2"/>
+              </a:rPr>
+              <a:t>https://docs.microsoft.com/en-us/ef/core/managing-schemas/migrations/teams</a:t>
+            </a:r>
+            <a:endParaRPr lang="en-US" dirty="0"/>
+          </a:p>
+          <a:p>
+            <a:endParaRPr lang="en-US" dirty="0">
+              <a:hlinkClick r:id="rId3"/>
+            </a:endParaRPr>
+          </a:p>
+          <a:p>
+            <a:r>
+              <a:rPr lang="en-US" dirty="0">
+                <a:hlinkClick r:id="rId3"/>
+              </a:rPr>
+              <a:t>https://cmatskas.com/ef-core-migrations-with-existing-database-schema-and-data/</a:t>
+            </a:r>
+            <a:endParaRPr lang="en-US" dirty="0"/>
+          </a:p>
+          <a:p>
+            <a:endParaRPr lang="en-US" dirty="0"/>
+          </a:p>
+        </p:txBody>
+      </p:sp>
+    </p:spTree>
+    <p:extLst>
+      <p:ext uri="{BB962C8B-B14F-4D97-AF65-F5344CB8AC3E}">
+        <p14:creationId xmlns:p14="http://schemas.microsoft.com/office/powerpoint/2010/main" val="2434350277"/>
+      </p:ext>
+    </p:extLst>
+  </p:cSld>
+  <p:clrMapOvr>
+    <a:masterClrMapping/>
+  </p:clrMapOvr>
+</p:sld>
+</file>
+
 <file path=ppt/slides/slide2.xml><?xml version="1.0" encoding="utf-8"?>
 <p:sld xmlns:a="http://schemas.openxmlformats.org/drawingml/2006/main" xmlns:r="http://schemas.openxmlformats.org/officeDocument/2006/relationships" xmlns:p="http://schemas.openxmlformats.org/presentationml/2006/main">
   <p:cSld>
@@ -4206,7 +4806,7 @@
           <p:cNvPr id="2" name="Title 1">
             <a:extLst>
               <a:ext uri="{FF2B5EF4-FFF2-40B4-BE49-F238E27FC236}">
-                <a16:creationId xmlns:a16="http://schemas.microsoft.com/office/drawing/2014/main" id="{907FF1C7-5AA4-4D99-9302-819C3784E5B5}"/>
+                <a16:creationId xmlns:a16="http://schemas.microsoft.com/office/drawing/2014/main" id="{B37B004E-1A89-4D71-9CD0-B8CEA5A628AC}"/>
               </a:ext>
             </a:extLst>
           </p:cNvPr>
@@ -4217,149 +4817,30 @@
             <p:ph type="title"/>
           </p:nvPr>
         </p:nvSpPr>
-        <p:spPr>
-          <a:xfrm>
-            <a:off x="581192" y="702156"/>
-            <a:ext cx="11029616" cy="489081"/>
-          </a:xfrm>
-        </p:spPr>
-        <p:txBody>
-          <a:bodyPr>
-            <a:normAutofit fontScale="90000"/>
-          </a:bodyPr>
+        <p:spPr/>
+        <p:txBody>
+          <a:bodyPr/>
           <a:lstStyle/>
           <a:p>
             <a:r>
               <a:rPr lang="en-US" dirty="0"/>
-              <a:t>Create a database cluster in PostgreSQL</a:t>
-            </a:r>
-          </a:p>
-        </p:txBody>
-      </p:sp>
-      <p:pic>
-        <p:nvPicPr>
-          <p:cNvPr id="5" name="Picture 4">
-            <a:extLst>
-              <a:ext uri="{FF2B5EF4-FFF2-40B4-BE49-F238E27FC236}">
-                <a16:creationId xmlns:a16="http://schemas.microsoft.com/office/drawing/2014/main" id="{4557FC60-D7E4-4F39-8F26-00460F5331EF}"/>
-              </a:ext>
-            </a:extLst>
-          </p:cNvPr>
-          <p:cNvPicPr>
-            <a:picLocks noChangeAspect="1"/>
-          </p:cNvPicPr>
-          <p:nvPr/>
-        </p:nvPicPr>
-        <p:blipFill>
-          <a:blip r:embed="rId2"/>
-          <a:stretch>
-            <a:fillRect/>
-          </a:stretch>
-        </p:blipFill>
-        <p:spPr>
-          <a:xfrm>
-            <a:off x="113328" y="1311923"/>
-            <a:ext cx="8401050" cy="1733550"/>
-          </a:xfrm>
-          <a:prstGeom prst="rect">
-            <a:avLst/>
-          </a:prstGeom>
-        </p:spPr>
-      </p:pic>
-      <p:pic>
-        <p:nvPicPr>
-          <p:cNvPr id="6" name="Picture 5">
-            <a:extLst>
-              <a:ext uri="{FF2B5EF4-FFF2-40B4-BE49-F238E27FC236}">
-                <a16:creationId xmlns:a16="http://schemas.microsoft.com/office/drawing/2014/main" id="{B7A10DAA-FE36-4ECB-9DEF-39943F37CE12}"/>
-              </a:ext>
-            </a:extLst>
-          </p:cNvPr>
-          <p:cNvPicPr>
-            <a:picLocks noChangeAspect="1"/>
-          </p:cNvPicPr>
-          <p:nvPr/>
-        </p:nvPicPr>
-        <p:blipFill>
-          <a:blip r:embed="rId3"/>
-          <a:stretch>
-            <a:fillRect/>
-          </a:stretch>
-        </p:blipFill>
-        <p:spPr>
-          <a:xfrm>
-            <a:off x="0" y="3812527"/>
-            <a:ext cx="11687175" cy="1409700"/>
-          </a:xfrm>
-          <a:prstGeom prst="rect">
-            <a:avLst/>
-          </a:prstGeom>
-        </p:spPr>
-      </p:pic>
-      <p:pic>
-        <p:nvPicPr>
-          <p:cNvPr id="7" name="Picture 6">
-            <a:extLst>
-              <a:ext uri="{FF2B5EF4-FFF2-40B4-BE49-F238E27FC236}">
-                <a16:creationId xmlns:a16="http://schemas.microsoft.com/office/drawing/2014/main" id="{53651A46-04BB-484D-900F-1CB16A5B0495}"/>
-              </a:ext>
-            </a:extLst>
-          </p:cNvPr>
-          <p:cNvPicPr>
-            <a:picLocks noChangeAspect="1"/>
-          </p:cNvPicPr>
-          <p:nvPr/>
-        </p:nvPicPr>
-        <p:blipFill>
-          <a:blip r:embed="rId4"/>
-          <a:stretch>
-            <a:fillRect/>
-          </a:stretch>
-        </p:blipFill>
-        <p:spPr>
-          <a:xfrm>
-            <a:off x="0" y="3155757"/>
-            <a:ext cx="12192000" cy="546485"/>
-          </a:xfrm>
-          <a:prstGeom prst="rect">
-            <a:avLst/>
-          </a:prstGeom>
-        </p:spPr>
-      </p:pic>
-      <p:pic>
-        <p:nvPicPr>
-          <p:cNvPr id="8" name="Picture 7">
-            <a:extLst>
-              <a:ext uri="{FF2B5EF4-FFF2-40B4-BE49-F238E27FC236}">
-                <a16:creationId xmlns:a16="http://schemas.microsoft.com/office/drawing/2014/main" id="{6EF8658C-7B78-4E7A-B972-2D4136C32F4F}"/>
-              </a:ext>
-            </a:extLst>
-          </p:cNvPr>
-          <p:cNvPicPr>
-            <a:picLocks noChangeAspect="1"/>
-          </p:cNvPicPr>
-          <p:nvPr/>
-        </p:nvPicPr>
-        <p:blipFill>
-          <a:blip r:embed="rId5"/>
-          <a:stretch>
-            <a:fillRect/>
-          </a:stretch>
-        </p:blipFill>
-        <p:spPr>
-          <a:xfrm>
-            <a:off x="0" y="5666762"/>
-            <a:ext cx="7267575" cy="647700"/>
-          </a:xfrm>
-          <a:prstGeom prst="rect">
-            <a:avLst/>
-          </a:prstGeom>
-        </p:spPr>
-      </p:pic>
+              <a:t>Building your first </a:t>
+            </a:r>
+            <a:r>
+              <a:rPr lang="en-US" dirty="0" err="1"/>
+              <a:t>ef</a:t>
+            </a:r>
+            <a:r>
+              <a:rPr lang="en-US" dirty="0"/>
+              <a:t> Core</a:t>
+            </a:r>
+          </a:p>
+        </p:txBody>
+      </p:sp>
     </p:spTree>
     <p:extLst>
       <p:ext uri="{BB962C8B-B14F-4D97-AF65-F5344CB8AC3E}">
-        <p14:creationId xmlns:p14="http://schemas.microsoft.com/office/powerpoint/2010/main" val="2227208824"/>
+        <p14:creationId xmlns:p14="http://schemas.microsoft.com/office/powerpoint/2010/main" val="3348761549"/>
       </p:ext>
     </p:extLst>
   </p:cSld>
@@ -4391,7 +4872,7 @@
           <p:cNvPr id="2" name="Title 1">
             <a:extLst>
               <a:ext uri="{FF2B5EF4-FFF2-40B4-BE49-F238E27FC236}">
-                <a16:creationId xmlns:a16="http://schemas.microsoft.com/office/drawing/2014/main" id="{0D1DE34C-9E42-4B53-A405-3BA565E3C3E0}"/>
+                <a16:creationId xmlns:a16="http://schemas.microsoft.com/office/drawing/2014/main" id="{907FF1C7-5AA4-4D99-9302-819C3784E5B5}"/>
               </a:ext>
             </a:extLst>
           </p:cNvPr>
@@ -4405,7 +4886,7 @@
         <p:spPr>
           <a:xfrm>
             <a:off x="581192" y="702156"/>
-            <a:ext cx="11029616" cy="476250"/>
+            <a:ext cx="11029616" cy="489081"/>
           </a:xfrm>
         </p:spPr>
         <p:txBody>
@@ -4416,25 +4897,17 @@
           <a:p>
             <a:r>
               <a:rPr lang="en-US" dirty="0"/>
-              <a:t>Change the </a:t>
-            </a:r>
-            <a:r>
-              <a:rPr lang="en-US" dirty="0" err="1"/>
-              <a:t>samuraiappdata-pgbouncer</a:t>
-            </a:r>
-            <a:r>
-              <a:rPr lang="en-US" dirty="0"/>
-              <a:t> service </a:t>
+              <a:t>Create a database cluster in PostgreSQL</a:t>
             </a:r>
           </a:p>
         </p:txBody>
       </p:sp>
       <p:pic>
         <p:nvPicPr>
-          <p:cNvPr id="4" name="Picture 3">
+          <p:cNvPr id="5" name="Picture 4">
             <a:extLst>
               <a:ext uri="{FF2B5EF4-FFF2-40B4-BE49-F238E27FC236}">
-                <a16:creationId xmlns:a16="http://schemas.microsoft.com/office/drawing/2014/main" id="{350F9DEE-2467-4C17-8E54-FC27B83498EB}"/>
+                <a16:creationId xmlns:a16="http://schemas.microsoft.com/office/drawing/2014/main" id="{4557FC60-D7E4-4F39-8F26-00460F5331EF}"/>
               </a:ext>
             </a:extLst>
           </p:cNvPr>
@@ -4451,8 +4924,8 @@
         </p:blipFill>
         <p:spPr>
           <a:xfrm>
-            <a:off x="202260" y="1919746"/>
-            <a:ext cx="9818355" cy="4236098"/>
+            <a:off x="113328" y="1311923"/>
+            <a:ext cx="8401050" cy="1733550"/>
           </a:xfrm>
           <a:prstGeom prst="rect">
             <a:avLst/>
@@ -4461,10 +4934,10 @@
       </p:pic>
       <p:pic>
         <p:nvPicPr>
-          <p:cNvPr id="5" name="Picture 4">
+          <p:cNvPr id="6" name="Picture 5">
             <a:extLst>
               <a:ext uri="{FF2B5EF4-FFF2-40B4-BE49-F238E27FC236}">
-                <a16:creationId xmlns:a16="http://schemas.microsoft.com/office/drawing/2014/main" id="{FA99A649-D74C-461A-AE9B-D0D9D6D26F5F}"/>
+                <a16:creationId xmlns:a16="http://schemas.microsoft.com/office/drawing/2014/main" id="{B7A10DAA-FE36-4ECB-9DEF-39943F37CE12}"/>
               </a:ext>
             </a:extLst>
           </p:cNvPr>
@@ -4481,8 +4954,8 @@
         </p:blipFill>
         <p:spPr>
           <a:xfrm>
-            <a:off x="202260" y="1360456"/>
-            <a:ext cx="9286875" cy="476250"/>
+            <a:off x="0" y="3812527"/>
+            <a:ext cx="11687175" cy="1409700"/>
           </a:xfrm>
           <a:prstGeom prst="rect">
             <a:avLst/>
@@ -4491,10 +4964,10 @@
       </p:pic>
       <p:pic>
         <p:nvPicPr>
-          <p:cNvPr id="6" name="Picture 5">
+          <p:cNvPr id="7" name="Picture 6">
             <a:extLst>
               <a:ext uri="{FF2B5EF4-FFF2-40B4-BE49-F238E27FC236}">
-                <a16:creationId xmlns:a16="http://schemas.microsoft.com/office/drawing/2014/main" id="{659E5397-2B1B-4D7E-A43B-93B14287193B}"/>
+                <a16:creationId xmlns:a16="http://schemas.microsoft.com/office/drawing/2014/main" id="{53651A46-04BB-484D-900F-1CB16A5B0495}"/>
               </a:ext>
             </a:extLst>
           </p:cNvPr>
@@ -4511,8 +4984,38 @@
         </p:blipFill>
         <p:spPr>
           <a:xfrm>
-            <a:off x="0" y="6407125"/>
-            <a:ext cx="12192000" cy="201953"/>
+            <a:off x="0" y="3155757"/>
+            <a:ext cx="12192000" cy="546485"/>
+          </a:xfrm>
+          <a:prstGeom prst="rect">
+            <a:avLst/>
+          </a:prstGeom>
+        </p:spPr>
+      </p:pic>
+      <p:pic>
+        <p:nvPicPr>
+          <p:cNvPr id="8" name="Picture 7">
+            <a:extLst>
+              <a:ext uri="{FF2B5EF4-FFF2-40B4-BE49-F238E27FC236}">
+                <a16:creationId xmlns:a16="http://schemas.microsoft.com/office/drawing/2014/main" id="{6EF8658C-7B78-4E7A-B972-2D4136C32F4F}"/>
+              </a:ext>
+            </a:extLst>
+          </p:cNvPr>
+          <p:cNvPicPr>
+            <a:picLocks noChangeAspect="1"/>
+          </p:cNvPicPr>
+          <p:nvPr/>
+        </p:nvPicPr>
+        <p:blipFill>
+          <a:blip r:embed="rId5"/>
+          <a:stretch>
+            <a:fillRect/>
+          </a:stretch>
+        </p:blipFill>
+        <p:spPr>
+          <a:xfrm>
+            <a:off x="0" y="5666762"/>
+            <a:ext cx="7267575" cy="647700"/>
           </a:xfrm>
           <a:prstGeom prst="rect">
             <a:avLst/>
@@ -4522,7 +5025,7 @@
     </p:spTree>
     <p:extLst>
       <p:ext uri="{BB962C8B-B14F-4D97-AF65-F5344CB8AC3E}">
-        <p14:creationId xmlns:p14="http://schemas.microsoft.com/office/powerpoint/2010/main" val="3534246241"/>
+        <p14:creationId xmlns:p14="http://schemas.microsoft.com/office/powerpoint/2010/main" val="2227208824"/>
       </p:ext>
     </p:extLst>
   </p:cSld>
@@ -4554,7 +5057,7 @@
           <p:cNvPr id="2" name="Title 1">
             <a:extLst>
               <a:ext uri="{FF2B5EF4-FFF2-40B4-BE49-F238E27FC236}">
-                <a16:creationId xmlns:a16="http://schemas.microsoft.com/office/drawing/2014/main" id="{F943939B-ABE6-460B-92C6-D5447929A95C}"/>
+                <a16:creationId xmlns:a16="http://schemas.microsoft.com/office/drawing/2014/main" id="{0D1DE34C-9E42-4B53-A405-3BA565E3C3E0}"/>
               </a:ext>
             </a:extLst>
           </p:cNvPr>
@@ -4568,11 +5071,13 @@
         <p:spPr>
           <a:xfrm>
             <a:off x="581192" y="702156"/>
-            <a:ext cx="11029616" cy="548146"/>
-          </a:xfrm>
-        </p:spPr>
-        <p:txBody>
-          <a:bodyPr/>
+            <a:ext cx="11029616" cy="476250"/>
+          </a:xfrm>
+        </p:spPr>
+        <p:txBody>
+          <a:bodyPr>
+            <a:normAutofit fontScale="90000"/>
+          </a:bodyPr>
           <a:lstStyle/>
           <a:p>
             <a:r>
@@ -4581,11 +5086,11 @@
             </a:r>
             <a:r>
               <a:rPr lang="en-US" dirty="0" err="1"/>
-              <a:t>samuraiappdata</a:t>
+              <a:t>samuraiappdata-pgbouncer</a:t>
             </a:r>
             <a:r>
               <a:rPr lang="en-US" dirty="0"/>
-              <a:t>-PGADMIN service </a:t>
+              <a:t> service </a:t>
             </a:r>
           </a:p>
         </p:txBody>
@@ -4595,7 +5100,7 @@
           <p:cNvPr id="4" name="Picture 3">
             <a:extLst>
               <a:ext uri="{FF2B5EF4-FFF2-40B4-BE49-F238E27FC236}">
-                <a16:creationId xmlns:a16="http://schemas.microsoft.com/office/drawing/2014/main" id="{C3F55A57-E945-4DA2-9152-3DE657C7A9DB}"/>
+                <a16:creationId xmlns:a16="http://schemas.microsoft.com/office/drawing/2014/main" id="{350F9DEE-2467-4C17-8E54-FC27B83498EB}"/>
               </a:ext>
             </a:extLst>
           </p:cNvPr>
@@ -4612,8 +5117,8 @@
         </p:blipFill>
         <p:spPr>
           <a:xfrm>
-            <a:off x="595411" y="2118048"/>
-            <a:ext cx="11001178" cy="4739951"/>
+            <a:off x="202260" y="1919746"/>
+            <a:ext cx="9818355" cy="4236098"/>
           </a:xfrm>
           <a:prstGeom prst="rect">
             <a:avLst/>
@@ -4625,7 +5130,7 @@
           <p:cNvPr id="5" name="Picture 4">
             <a:extLst>
               <a:ext uri="{FF2B5EF4-FFF2-40B4-BE49-F238E27FC236}">
-                <a16:creationId xmlns:a16="http://schemas.microsoft.com/office/drawing/2014/main" id="{02EAF3B6-386A-408A-A264-8877415B3F77}"/>
+                <a16:creationId xmlns:a16="http://schemas.microsoft.com/office/drawing/2014/main" id="{FA99A649-D74C-461A-AE9B-D0D9D6D26F5F}"/>
               </a:ext>
             </a:extLst>
           </p:cNvPr>
@@ -4642,8 +5147,38 @@
         </p:blipFill>
         <p:spPr>
           <a:xfrm>
-            <a:off x="581192" y="1250302"/>
-            <a:ext cx="8943975" cy="476250"/>
+            <a:off x="202260" y="1360456"/>
+            <a:ext cx="9286875" cy="476250"/>
+          </a:xfrm>
+          <a:prstGeom prst="rect">
+            <a:avLst/>
+          </a:prstGeom>
+        </p:spPr>
+      </p:pic>
+      <p:pic>
+        <p:nvPicPr>
+          <p:cNvPr id="6" name="Picture 5">
+            <a:extLst>
+              <a:ext uri="{FF2B5EF4-FFF2-40B4-BE49-F238E27FC236}">
+                <a16:creationId xmlns:a16="http://schemas.microsoft.com/office/drawing/2014/main" id="{659E5397-2B1B-4D7E-A43B-93B14287193B}"/>
+              </a:ext>
+            </a:extLst>
+          </p:cNvPr>
+          <p:cNvPicPr>
+            <a:picLocks noChangeAspect="1"/>
+          </p:cNvPicPr>
+          <p:nvPr/>
+        </p:nvPicPr>
+        <p:blipFill>
+          <a:blip r:embed="rId4"/>
+          <a:stretch>
+            <a:fillRect/>
+          </a:stretch>
+        </p:blipFill>
+        <p:spPr>
+          <a:xfrm>
+            <a:off x="0" y="6407125"/>
+            <a:ext cx="12192000" cy="201953"/>
           </a:xfrm>
           <a:prstGeom prst="rect">
             <a:avLst/>
@@ -4653,7 +5188,7 @@
     </p:spTree>
     <p:extLst>
       <p:ext uri="{BB962C8B-B14F-4D97-AF65-F5344CB8AC3E}">
-        <p14:creationId xmlns:p14="http://schemas.microsoft.com/office/powerpoint/2010/main" val="1995635871"/>
+        <p14:creationId xmlns:p14="http://schemas.microsoft.com/office/powerpoint/2010/main" val="3534246241"/>
       </p:ext>
     </p:extLst>
   </p:cSld>
@@ -4685,7 +5220,7 @@
           <p:cNvPr id="2" name="Title 1">
             <a:extLst>
               <a:ext uri="{FF2B5EF4-FFF2-40B4-BE49-F238E27FC236}">
-                <a16:creationId xmlns:a16="http://schemas.microsoft.com/office/drawing/2014/main" id="{09A9F3CF-1549-46C5-91CB-B1D9E24D25CA}"/>
+                <a16:creationId xmlns:a16="http://schemas.microsoft.com/office/drawing/2014/main" id="{F943939B-ABE6-460B-92C6-D5447929A95C}"/>
               </a:ext>
             </a:extLst>
           </p:cNvPr>
@@ -4699,7 +5234,7 @@
         <p:spPr>
           <a:xfrm>
             <a:off x="581192" y="702156"/>
-            <a:ext cx="11029616" cy="529485"/>
+            <a:ext cx="11029616" cy="548146"/>
           </a:xfrm>
         </p:spPr>
         <p:txBody>
@@ -4708,25 +5243,25 @@
           <a:p>
             <a:r>
               <a:rPr lang="en-US" dirty="0"/>
-              <a:t>Inspect </a:t>
+              <a:t>Change the </a:t>
             </a:r>
             <a:r>
               <a:rPr lang="en-US" dirty="0" err="1"/>
-              <a:t>samruraiappdata</a:t>
+              <a:t>samuraiappdata</a:t>
             </a:r>
             <a:r>
               <a:rPr lang="en-US" dirty="0"/>
-              <a:t> services</a:t>
+              <a:t>-PGADMIN service </a:t>
             </a:r>
           </a:p>
         </p:txBody>
       </p:sp>
       <p:pic>
         <p:nvPicPr>
-          <p:cNvPr id="6" name="Picture 5">
+          <p:cNvPr id="4" name="Picture 3">
             <a:extLst>
               <a:ext uri="{FF2B5EF4-FFF2-40B4-BE49-F238E27FC236}">
-                <a16:creationId xmlns:a16="http://schemas.microsoft.com/office/drawing/2014/main" id="{CA2F0060-B308-4A75-B88B-550EBDE6CBF8}"/>
+                <a16:creationId xmlns:a16="http://schemas.microsoft.com/office/drawing/2014/main" id="{C3F55A57-E945-4DA2-9152-3DE657C7A9DB}"/>
               </a:ext>
             </a:extLst>
           </p:cNvPr>
@@ -4743,6 +5278,137 @@
         </p:blipFill>
         <p:spPr>
           <a:xfrm>
+            <a:off x="595411" y="2118048"/>
+            <a:ext cx="11001178" cy="4739951"/>
+          </a:xfrm>
+          <a:prstGeom prst="rect">
+            <a:avLst/>
+          </a:prstGeom>
+        </p:spPr>
+      </p:pic>
+      <p:pic>
+        <p:nvPicPr>
+          <p:cNvPr id="5" name="Picture 4">
+            <a:extLst>
+              <a:ext uri="{FF2B5EF4-FFF2-40B4-BE49-F238E27FC236}">
+                <a16:creationId xmlns:a16="http://schemas.microsoft.com/office/drawing/2014/main" id="{02EAF3B6-386A-408A-A264-8877415B3F77}"/>
+              </a:ext>
+            </a:extLst>
+          </p:cNvPr>
+          <p:cNvPicPr>
+            <a:picLocks noChangeAspect="1"/>
+          </p:cNvPicPr>
+          <p:nvPr/>
+        </p:nvPicPr>
+        <p:blipFill>
+          <a:blip r:embed="rId3"/>
+          <a:stretch>
+            <a:fillRect/>
+          </a:stretch>
+        </p:blipFill>
+        <p:spPr>
+          <a:xfrm>
+            <a:off x="581192" y="1250302"/>
+            <a:ext cx="8943975" cy="476250"/>
+          </a:xfrm>
+          <a:prstGeom prst="rect">
+            <a:avLst/>
+          </a:prstGeom>
+        </p:spPr>
+      </p:pic>
+    </p:spTree>
+    <p:extLst>
+      <p:ext uri="{BB962C8B-B14F-4D97-AF65-F5344CB8AC3E}">
+        <p14:creationId xmlns:p14="http://schemas.microsoft.com/office/powerpoint/2010/main" val="1995635871"/>
+      </p:ext>
+    </p:extLst>
+  </p:cSld>
+  <p:clrMapOvr>
+    <a:masterClrMapping/>
+  </p:clrMapOvr>
+</p:sld>
+</file>
+
+<file path=ppt/slides/slide6.xml><?xml version="1.0" encoding="utf-8"?>
+<p:sld xmlns:a="http://schemas.openxmlformats.org/drawingml/2006/main" xmlns:r="http://schemas.openxmlformats.org/officeDocument/2006/relationships" xmlns:p="http://schemas.openxmlformats.org/presentationml/2006/main">
+  <p:cSld>
+    <p:spTree>
+      <p:nvGrpSpPr>
+        <p:cNvPr id="1" name=""/>
+        <p:cNvGrpSpPr/>
+        <p:nvPr/>
+      </p:nvGrpSpPr>
+      <p:grpSpPr>
+        <a:xfrm>
+          <a:off x="0" y="0"/>
+          <a:ext cx="0" cy="0"/>
+          <a:chOff x="0" y="0"/>
+          <a:chExt cx="0" cy="0"/>
+        </a:xfrm>
+      </p:grpSpPr>
+      <p:sp>
+        <p:nvSpPr>
+          <p:cNvPr id="2" name="Title 1">
+            <a:extLst>
+              <a:ext uri="{FF2B5EF4-FFF2-40B4-BE49-F238E27FC236}">
+                <a16:creationId xmlns:a16="http://schemas.microsoft.com/office/drawing/2014/main" id="{09A9F3CF-1549-46C5-91CB-B1D9E24D25CA}"/>
+              </a:ext>
+            </a:extLst>
+          </p:cNvPr>
+          <p:cNvSpPr>
+            <a:spLocks noGrp="1"/>
+          </p:cNvSpPr>
+          <p:nvPr>
+            <p:ph type="title"/>
+          </p:nvPr>
+        </p:nvSpPr>
+        <p:spPr>
+          <a:xfrm>
+            <a:off x="581192" y="702156"/>
+            <a:ext cx="11029616" cy="529485"/>
+          </a:xfrm>
+        </p:spPr>
+        <p:txBody>
+          <a:bodyPr/>
+          <a:lstStyle/>
+          <a:p>
+            <a:r>
+              <a:rPr lang="en-US" dirty="0"/>
+              <a:t>Inspect </a:t>
+            </a:r>
+            <a:r>
+              <a:rPr lang="en-US" dirty="0" err="1"/>
+              <a:t>samruraiappdata</a:t>
+            </a:r>
+            <a:r>
+              <a:rPr lang="en-US" dirty="0"/>
+              <a:t> services</a:t>
+            </a:r>
+          </a:p>
+        </p:txBody>
+      </p:sp>
+      <p:pic>
+        <p:nvPicPr>
+          <p:cNvPr id="6" name="Picture 5">
+            <a:extLst>
+              <a:ext uri="{FF2B5EF4-FFF2-40B4-BE49-F238E27FC236}">
+                <a16:creationId xmlns:a16="http://schemas.microsoft.com/office/drawing/2014/main" id="{CA2F0060-B308-4A75-B88B-550EBDE6CBF8}"/>
+              </a:ext>
+            </a:extLst>
+          </p:cNvPr>
+          <p:cNvPicPr>
+            <a:picLocks noChangeAspect="1"/>
+          </p:cNvPicPr>
+          <p:nvPr/>
+        </p:nvPicPr>
+        <p:blipFill>
+          <a:blip r:embed="rId2"/>
+          <a:stretch>
+            <a:fillRect/>
+          </a:stretch>
+        </p:blipFill>
+        <p:spPr>
+          <a:xfrm>
             <a:off x="213523" y="1446244"/>
             <a:ext cx="11764954" cy="5411755"/>
           </a:xfrm>
@@ -4755,6 +5421,357 @@
     <p:extLst>
       <p:ext uri="{BB962C8B-B14F-4D97-AF65-F5344CB8AC3E}">
         <p14:creationId xmlns:p14="http://schemas.microsoft.com/office/powerpoint/2010/main" val="2814646743"/>
+      </p:ext>
+    </p:extLst>
+  </p:cSld>
+  <p:clrMapOvr>
+    <a:masterClrMapping/>
+  </p:clrMapOvr>
+</p:sld>
+</file>
+
+<file path=ppt/slides/slide7.xml><?xml version="1.0" encoding="utf-8"?>
+<p:sld xmlns:a="http://schemas.openxmlformats.org/drawingml/2006/main" xmlns:r="http://schemas.openxmlformats.org/officeDocument/2006/relationships" xmlns:p="http://schemas.openxmlformats.org/presentationml/2006/main">
+  <p:cSld>
+    <p:spTree>
+      <p:nvGrpSpPr>
+        <p:cNvPr id="1" name=""/>
+        <p:cNvGrpSpPr/>
+        <p:nvPr/>
+      </p:nvGrpSpPr>
+      <p:grpSpPr>
+        <a:xfrm>
+          <a:off x="0" y="0"/>
+          <a:ext cx="0" cy="0"/>
+          <a:chOff x="0" y="0"/>
+          <a:chExt cx="0" cy="0"/>
+        </a:xfrm>
+      </p:grpSpPr>
+      <p:sp>
+        <p:nvSpPr>
+          <p:cNvPr id="2" name="Title 1">
+            <a:extLst>
+              <a:ext uri="{FF2B5EF4-FFF2-40B4-BE49-F238E27FC236}">
+                <a16:creationId xmlns:a16="http://schemas.microsoft.com/office/drawing/2014/main" id="{B2B9A8ED-7719-4C5F-95BB-8236FD2FD369}"/>
+              </a:ext>
+            </a:extLst>
+          </p:cNvPr>
+          <p:cNvSpPr>
+            <a:spLocks noGrp="1"/>
+          </p:cNvSpPr>
+          <p:nvPr>
+            <p:ph type="title"/>
+          </p:nvPr>
+        </p:nvSpPr>
+        <p:spPr>
+          <a:xfrm>
+            <a:off x="581192" y="702156"/>
+            <a:ext cx="11029616" cy="430358"/>
+          </a:xfrm>
+        </p:spPr>
+        <p:txBody>
+          <a:bodyPr>
+            <a:normAutofit fontScale="90000"/>
+          </a:bodyPr>
+          <a:lstStyle/>
+          <a:p>
+            <a:r>
+              <a:rPr lang="en-US" dirty="0"/>
+              <a:t>Controlling database creation and scheme</a:t>
+            </a:r>
+          </a:p>
+        </p:txBody>
+      </p:sp>
+    </p:spTree>
+    <p:extLst>
+      <p:ext uri="{BB962C8B-B14F-4D97-AF65-F5344CB8AC3E}">
+        <p14:creationId xmlns:p14="http://schemas.microsoft.com/office/powerpoint/2010/main" val="3064386802"/>
+      </p:ext>
+    </p:extLst>
+  </p:cSld>
+  <p:clrMapOvr>
+    <a:masterClrMapping/>
+  </p:clrMapOvr>
+</p:sld>
+</file>
+
+<file path=ppt/slides/slide8.xml><?xml version="1.0" encoding="utf-8"?>
+<p:sld xmlns:a="http://schemas.openxmlformats.org/drawingml/2006/main" xmlns:r="http://schemas.openxmlformats.org/officeDocument/2006/relationships" xmlns:p="http://schemas.openxmlformats.org/presentationml/2006/main">
+  <p:cSld>
+    <p:spTree>
+      <p:nvGrpSpPr>
+        <p:cNvPr id="1" name=""/>
+        <p:cNvGrpSpPr/>
+        <p:nvPr/>
+      </p:nvGrpSpPr>
+      <p:grpSpPr>
+        <a:xfrm>
+          <a:off x="0" y="0"/>
+          <a:ext cx="0" cy="0"/>
+          <a:chOff x="0" y="0"/>
+          <a:chExt cx="0" cy="0"/>
+        </a:xfrm>
+      </p:grpSpPr>
+      <p:sp>
+        <p:nvSpPr>
+          <p:cNvPr id="2" name="Title 1">
+            <a:extLst>
+              <a:ext uri="{FF2B5EF4-FFF2-40B4-BE49-F238E27FC236}">
+                <a16:creationId xmlns:a16="http://schemas.microsoft.com/office/drawing/2014/main" id="{6EB5B83A-854C-494A-A1A2-5E354C020F4B}"/>
+              </a:ext>
+            </a:extLst>
+          </p:cNvPr>
+          <p:cNvSpPr>
+            <a:spLocks noGrp="1"/>
+          </p:cNvSpPr>
+          <p:nvPr>
+            <p:ph type="title"/>
+          </p:nvPr>
+        </p:nvSpPr>
+        <p:spPr>
+          <a:xfrm>
+            <a:off x="581192" y="702156"/>
+            <a:ext cx="11029616" cy="361534"/>
+          </a:xfrm>
+        </p:spPr>
+        <p:txBody>
+          <a:bodyPr>
+            <a:normAutofit fontScale="90000"/>
+          </a:bodyPr>
+          <a:lstStyle/>
+          <a:p>
+            <a:r>
+              <a:rPr lang="en-US" dirty="0"/>
+              <a:t>Entity FRAMEWORK (Get-Migration is new to </a:t>
+            </a:r>
+            <a:r>
+              <a:rPr lang="en-US" dirty="0" err="1"/>
+              <a:t>ef</a:t>
+            </a:r>
+            <a:r>
+              <a:rPr lang="en-US" dirty="0"/>
+              <a:t> core 5)</a:t>
+            </a:r>
+          </a:p>
+        </p:txBody>
+      </p:sp>
+      <p:pic>
+        <p:nvPicPr>
+          <p:cNvPr id="4" name="Picture 3">
+            <a:extLst>
+              <a:ext uri="{FF2B5EF4-FFF2-40B4-BE49-F238E27FC236}">
+                <a16:creationId xmlns:a16="http://schemas.microsoft.com/office/drawing/2014/main" id="{27E60F0B-0B85-40A8-8E7B-54AB36CA2344}"/>
+              </a:ext>
+            </a:extLst>
+          </p:cNvPr>
+          <p:cNvPicPr>
+            <a:picLocks noChangeAspect="1"/>
+          </p:cNvPicPr>
+          <p:nvPr/>
+        </p:nvPicPr>
+        <p:blipFill>
+          <a:blip r:embed="rId2"/>
+          <a:stretch>
+            <a:fillRect/>
+          </a:stretch>
+        </p:blipFill>
+        <p:spPr>
+          <a:xfrm>
+            <a:off x="169552" y="1063690"/>
+            <a:ext cx="8269941" cy="3928188"/>
+          </a:xfrm>
+          <a:prstGeom prst="rect">
+            <a:avLst/>
+          </a:prstGeom>
+        </p:spPr>
+      </p:pic>
+      <p:pic>
+        <p:nvPicPr>
+          <p:cNvPr id="5" name="Picture 4">
+            <a:extLst>
+              <a:ext uri="{FF2B5EF4-FFF2-40B4-BE49-F238E27FC236}">
+                <a16:creationId xmlns:a16="http://schemas.microsoft.com/office/drawing/2014/main" id="{33A2783F-0833-40B3-98CD-66287603A60F}"/>
+              </a:ext>
+            </a:extLst>
+          </p:cNvPr>
+          <p:cNvPicPr>
+            <a:picLocks noChangeAspect="1"/>
+          </p:cNvPicPr>
+          <p:nvPr/>
+        </p:nvPicPr>
+        <p:blipFill>
+          <a:blip r:embed="rId3"/>
+          <a:stretch>
+            <a:fillRect/>
+          </a:stretch>
+        </p:blipFill>
+        <p:spPr>
+          <a:xfrm>
+            <a:off x="169552" y="4962525"/>
+            <a:ext cx="1743075" cy="1895475"/>
+          </a:xfrm>
+          <a:prstGeom prst="rect">
+            <a:avLst/>
+          </a:prstGeom>
+        </p:spPr>
+      </p:pic>
+    </p:spTree>
+    <p:extLst>
+      <p:ext uri="{BB962C8B-B14F-4D97-AF65-F5344CB8AC3E}">
+        <p14:creationId xmlns:p14="http://schemas.microsoft.com/office/powerpoint/2010/main" val="3696117919"/>
+      </p:ext>
+    </p:extLst>
+  </p:cSld>
+  <p:clrMapOvr>
+    <a:masterClrMapping/>
+  </p:clrMapOvr>
+</p:sld>
+</file>
+
+<file path=ppt/slides/slide9.xml><?xml version="1.0" encoding="utf-8"?>
+<p:sld xmlns:a="http://schemas.openxmlformats.org/drawingml/2006/main" xmlns:r="http://schemas.openxmlformats.org/officeDocument/2006/relationships" xmlns:p="http://schemas.openxmlformats.org/presentationml/2006/main">
+  <p:cSld>
+    <p:spTree>
+      <p:nvGrpSpPr>
+        <p:cNvPr id="1" name=""/>
+        <p:cNvGrpSpPr/>
+        <p:nvPr/>
+      </p:nvGrpSpPr>
+      <p:grpSpPr>
+        <a:xfrm>
+          <a:off x="0" y="0"/>
+          <a:ext cx="0" cy="0"/>
+          <a:chOff x="0" y="0"/>
+          <a:chExt cx="0" cy="0"/>
+        </a:xfrm>
+      </p:grpSpPr>
+      <p:sp>
+        <p:nvSpPr>
+          <p:cNvPr id="2" name="Title 1">
+            <a:extLst>
+              <a:ext uri="{FF2B5EF4-FFF2-40B4-BE49-F238E27FC236}">
+                <a16:creationId xmlns:a16="http://schemas.microsoft.com/office/drawing/2014/main" id="{E00C8BF8-5576-487A-A8CE-E0943654B224}"/>
+              </a:ext>
+            </a:extLst>
+          </p:cNvPr>
+          <p:cNvSpPr>
+            <a:spLocks noGrp="1"/>
+          </p:cNvSpPr>
+          <p:nvPr>
+            <p:ph type="title"/>
+          </p:nvPr>
+        </p:nvSpPr>
+        <p:spPr>
+          <a:xfrm>
+            <a:off x="581192" y="702156"/>
+            <a:ext cx="11029616" cy="408187"/>
+          </a:xfrm>
+        </p:spPr>
+        <p:txBody>
+          <a:bodyPr>
+            <a:normAutofit fontScale="90000"/>
+          </a:bodyPr>
+          <a:lstStyle/>
+          <a:p>
+            <a:r>
+              <a:rPr lang="en-US" dirty="0"/>
+              <a:t>Add Migration</a:t>
+            </a:r>
+          </a:p>
+        </p:txBody>
+      </p:sp>
+      <p:pic>
+        <p:nvPicPr>
+          <p:cNvPr id="4" name="Picture 3">
+            <a:extLst>
+              <a:ext uri="{FF2B5EF4-FFF2-40B4-BE49-F238E27FC236}">
+                <a16:creationId xmlns:a16="http://schemas.microsoft.com/office/drawing/2014/main" id="{CCC18CB4-F7D8-4F5E-9126-5F831B458E27}"/>
+              </a:ext>
+            </a:extLst>
+          </p:cNvPr>
+          <p:cNvPicPr>
+            <a:picLocks noChangeAspect="1"/>
+          </p:cNvPicPr>
+          <p:nvPr/>
+        </p:nvPicPr>
+        <p:blipFill>
+          <a:blip r:embed="rId2"/>
+          <a:stretch>
+            <a:fillRect/>
+          </a:stretch>
+        </p:blipFill>
+        <p:spPr>
+          <a:xfrm>
+            <a:off x="195943" y="1110343"/>
+            <a:ext cx="11775233" cy="2319935"/>
+          </a:xfrm>
+          <a:prstGeom prst="rect">
+            <a:avLst/>
+          </a:prstGeom>
+        </p:spPr>
+      </p:pic>
+      <p:sp>
+        <p:nvSpPr>
+          <p:cNvPr id="5" name="TextBox 4">
+            <a:extLst>
+              <a:ext uri="{FF2B5EF4-FFF2-40B4-BE49-F238E27FC236}">
+                <a16:creationId xmlns:a16="http://schemas.microsoft.com/office/drawing/2014/main" id="{03EC8AA0-C2A8-4BCD-8A2B-9F23C164CE08}"/>
+              </a:ext>
+            </a:extLst>
+          </p:cNvPr>
+          <p:cNvSpPr txBox="1"/>
+          <p:nvPr/>
+        </p:nvSpPr>
+        <p:spPr>
+          <a:xfrm>
+            <a:off x="65314" y="3545633"/>
+            <a:ext cx="11899283" cy="1200329"/>
+          </a:xfrm>
+          <a:prstGeom prst="rect">
+            <a:avLst/>
+          </a:prstGeom>
+          <a:noFill/>
+        </p:spPr>
+        <p:txBody>
+          <a:bodyPr wrap="none" rtlCol="0">
+            <a:spAutoFit/>
+          </a:bodyPr>
+          <a:lstStyle/>
+          <a:p>
+            <a:r>
+              <a:rPr lang="en-US" dirty="0"/>
+              <a:t>Data library project (</a:t>
+            </a:r>
+            <a:r>
+              <a:rPr lang="en-US" dirty="0" err="1"/>
+              <a:t>SamuraiApp.Data</a:t>
+            </a:r>
+            <a:r>
+              <a:rPr lang="en-US" dirty="0"/>
+              <a:t>) targets .NET 5, so is able to run migrations, unlike earlier libraries targeting .NET5</a:t>
+            </a:r>
+          </a:p>
+          <a:p>
+            <a:r>
+              <a:rPr lang="en-US" dirty="0"/>
+              <a:t>standard.</a:t>
+            </a:r>
+          </a:p>
+          <a:p>
+            <a:endParaRPr lang="en-US" dirty="0"/>
+          </a:p>
+          <a:p>
+            <a:r>
+              <a:rPr lang="en-US" dirty="0"/>
+              <a:t>The snapshot is used to determine how to migrate from one model version to the next.</a:t>
+            </a:r>
+          </a:p>
+        </p:txBody>
+      </p:sp>
+    </p:spTree>
+    <p:extLst>
+      <p:ext uri="{BB962C8B-B14F-4D97-AF65-F5344CB8AC3E}">
+        <p14:creationId xmlns:p14="http://schemas.microsoft.com/office/powerpoint/2010/main" val="811498383"/>
       </p:ext>
     </p:extLst>
   </p:cSld>
@@ -5034,21 +6051,21 @@
 </file>
 
 <file path=customXml/item1.xml><?xml version="1.0" encoding="utf-8"?>
+<?mso-contentType ?>
+<FormTemplates xmlns="http://schemas.microsoft.com/sharepoint/v3/contenttype/forms">
+  <Display>DocumentLibraryForm</Display>
+  <Edit>DocumentLibraryForm</Edit>
+  <New>DocumentLibraryForm</New>
+</FormTemplates>
+</file>
+
+<file path=customXml/item2.xml><?xml version="1.0" encoding="utf-8"?>
 <p:properties xmlns:p="http://schemas.microsoft.com/office/2006/metadata/properties" xmlns:xsi="http://www.w3.org/2001/XMLSchema-instance" xmlns:pc="http://schemas.microsoft.com/office/infopath/2007/PartnerControls">
   <documentManagement>
     <Status xmlns="71af3243-3dd4-4a8d-8c0d-dd76da1f02a5">Not started</Status>
     <MediaServiceKeyPoints xmlns="71af3243-3dd4-4a8d-8c0d-dd76da1f02a5" xsi:nil="true"/>
   </documentManagement>
 </p:properties>
-</file>
-
-<file path=customXml/item2.xml><?xml version="1.0" encoding="utf-8"?>
-<?mso-contentType ?>
-<FormTemplates xmlns="http://schemas.microsoft.com/sharepoint/v3/contenttype/forms">
-  <Display>DocumentLibraryForm</Display>
-  <Edit>DocumentLibraryForm</Edit>
-  <New>DocumentLibraryForm</New>
-</FormTemplates>
 </file>
 
 <file path=customXml/item3.xml><?xml version="1.0" encoding="utf-8"?>
@@ -5273,19 +6290,19 @@
 </file>
 
 <file path=customXml/itemProps1.xml><?xml version="1.0" encoding="utf-8"?>
+<ds:datastoreItem xmlns:ds="http://schemas.openxmlformats.org/officeDocument/2006/customXml" ds:itemID="{927BD4C1-B6B1-4715-ABF9-E660A51A4EA0}">
+  <ds:schemaRefs>
+    <ds:schemaRef ds:uri="http://schemas.microsoft.com/sharepoint/v3/contenttype/forms"/>
+  </ds:schemaRefs>
+</ds:datastoreItem>
+</file>
+
+<file path=customXml/itemProps2.xml><?xml version="1.0" encoding="utf-8"?>
 <ds:datastoreItem xmlns:ds="http://schemas.openxmlformats.org/officeDocument/2006/customXml" ds:itemID="{8D289AE2-D2AE-49D1-AFAC-3A79F6794255}">
   <ds:schemaRefs>
     <ds:schemaRef ds:uri="http://schemas.microsoft.com/office/2006/metadata/properties"/>
     <ds:schemaRef ds:uri="http://schemas.microsoft.com/office/infopath/2007/PartnerControls"/>
     <ds:schemaRef ds:uri="71af3243-3dd4-4a8d-8c0d-dd76da1f02a5"/>
-  </ds:schemaRefs>
-</ds:datastoreItem>
-</file>
-
-<file path=customXml/itemProps2.xml><?xml version="1.0" encoding="utf-8"?>
-<ds:datastoreItem xmlns:ds="http://schemas.openxmlformats.org/officeDocument/2006/customXml" ds:itemID="{927BD4C1-B6B1-4715-ABF9-E660A51A4EA0}">
-  <ds:schemaRefs>
-    <ds:schemaRef ds:uri="http://schemas.microsoft.com/sharepoint/v3/contenttype/forms"/>
   </ds:schemaRefs>
 </ds:datastoreItem>
 </file>
